--- a/web/images/MIDB_logo.pptx
+++ b/web/images/MIDB_logo.pptx
@@ -105,6 +105,22 @@
       </a:defRPr>
     </a:lvl9pPr>
   </p:defaultTextStyle>
+  <p:extLst>
+    <p:ext uri="{EFAFB233-063F-42B5-8137-9DF3F51BA10A}">
+      <p15:sldGuideLst xmlns:p15="http://schemas.microsoft.com/office/powerpoint/2012/main">
+        <p15:guide id="1" orient="horz" pos="2352">
+          <p15:clr>
+            <a:srgbClr val="A4A3A4"/>
+          </p15:clr>
+        </p15:guide>
+        <p15:guide id="2" pos="6912">
+          <p15:clr>
+            <a:srgbClr val="A4A3A4"/>
+          </p15:clr>
+        </p15:guide>
+      </p15:sldGuideLst>
+    </p:ext>
+  </p:extLst>
 </p:presentation>
 </file>
 
@@ -290,7 +306,7 @@
             <a:fld id="{09195D82-D22B-4347-BB61-719E2A559A50}" type="datetimeFigureOut">
               <a:rPr lang="en-US" smtClean="0"/>
               <a:pPr/>
-              <a:t>2/11/2015</a:t>
+              <a:t>6/28/2015</a:t>
             </a:fld>
             <a:endParaRPr lang="en-US"/>
           </a:p>
@@ -457,7 +473,7 @@
             <a:fld id="{09195D82-D22B-4347-BB61-719E2A559A50}" type="datetimeFigureOut">
               <a:rPr lang="en-US" smtClean="0"/>
               <a:pPr/>
-              <a:t>2/11/2015</a:t>
+              <a:t>6/28/2015</a:t>
             </a:fld>
             <a:endParaRPr lang="en-US"/>
           </a:p>
@@ -634,7 +650,7 @@
             <a:fld id="{09195D82-D22B-4347-BB61-719E2A559A50}" type="datetimeFigureOut">
               <a:rPr lang="en-US" smtClean="0"/>
               <a:pPr/>
-              <a:t>2/11/2015</a:t>
+              <a:t>6/28/2015</a:t>
             </a:fld>
             <a:endParaRPr lang="en-US"/>
           </a:p>
@@ -801,7 +817,7 @@
             <a:fld id="{09195D82-D22B-4347-BB61-719E2A559A50}" type="datetimeFigureOut">
               <a:rPr lang="en-US" smtClean="0"/>
               <a:pPr/>
-              <a:t>2/11/2015</a:t>
+              <a:t>6/28/2015</a:t>
             </a:fld>
             <a:endParaRPr lang="en-US"/>
           </a:p>
@@ -1044,7 +1060,7 @@
             <a:fld id="{09195D82-D22B-4347-BB61-719E2A559A50}" type="datetimeFigureOut">
               <a:rPr lang="en-US" smtClean="0"/>
               <a:pPr/>
-              <a:t>2/11/2015</a:t>
+              <a:t>6/28/2015</a:t>
             </a:fld>
             <a:endParaRPr lang="en-US"/>
           </a:p>
@@ -1329,7 +1345,7 @@
             <a:fld id="{09195D82-D22B-4347-BB61-719E2A559A50}" type="datetimeFigureOut">
               <a:rPr lang="en-US" smtClean="0"/>
               <a:pPr/>
-              <a:t>2/11/2015</a:t>
+              <a:t>6/28/2015</a:t>
             </a:fld>
             <a:endParaRPr lang="en-US"/>
           </a:p>
@@ -1748,7 +1764,7 @@
             <a:fld id="{09195D82-D22B-4347-BB61-719E2A559A50}" type="datetimeFigureOut">
               <a:rPr lang="en-US" smtClean="0"/>
               <a:pPr/>
-              <a:t>2/11/2015</a:t>
+              <a:t>6/28/2015</a:t>
             </a:fld>
             <a:endParaRPr lang="en-US"/>
           </a:p>
@@ -1863,7 +1879,7 @@
             <a:fld id="{09195D82-D22B-4347-BB61-719E2A559A50}" type="datetimeFigureOut">
               <a:rPr lang="en-US" smtClean="0"/>
               <a:pPr/>
-              <a:t>2/11/2015</a:t>
+              <a:t>6/28/2015</a:t>
             </a:fld>
             <a:endParaRPr lang="en-US"/>
           </a:p>
@@ -1955,7 +1971,7 @@
             <a:fld id="{09195D82-D22B-4347-BB61-719E2A559A50}" type="datetimeFigureOut">
               <a:rPr lang="en-US" smtClean="0"/>
               <a:pPr/>
-              <a:t>2/11/2015</a:t>
+              <a:t>6/28/2015</a:t>
             </a:fld>
             <a:endParaRPr lang="en-US"/>
           </a:p>
@@ -2229,7 +2245,7 @@
             <a:fld id="{09195D82-D22B-4347-BB61-719E2A559A50}" type="datetimeFigureOut">
               <a:rPr lang="en-US" smtClean="0"/>
               <a:pPr/>
-              <a:t>2/11/2015</a:t>
+              <a:t>6/28/2015</a:t>
             </a:fld>
             <a:endParaRPr lang="en-US"/>
           </a:p>
@@ -2479,7 +2495,7 @@
             <a:fld id="{09195D82-D22B-4347-BB61-719E2A559A50}" type="datetimeFigureOut">
               <a:rPr lang="en-US" smtClean="0"/>
               <a:pPr/>
-              <a:t>2/11/2015</a:t>
+              <a:t>6/28/2015</a:t>
             </a:fld>
             <a:endParaRPr lang="en-US"/>
           </a:p>
@@ -2689,7 +2705,7 @@
             <a:fld id="{09195D82-D22B-4347-BB61-719E2A559A50}" type="datetimeFigureOut">
               <a:rPr lang="en-US" smtClean="0"/>
               <a:pPr/>
-              <a:t>2/11/2015</a:t>
+              <a:t>6/28/2015</a:t>
             </a:fld>
             <a:endParaRPr lang="en-US"/>
           </a:p>
@@ -3068,7 +3084,7 @@
         </p:nvSpPr>
         <p:spPr>
           <a:xfrm>
-            <a:off x="0" y="912707"/>
+            <a:off x="3605576" y="912707"/>
             <a:ext cx="9196024" cy="6252792"/>
           </a:xfrm>
           <a:prstGeom prst="rect">
@@ -3114,7 +3130,7 @@
         </p:nvSpPr>
         <p:spPr>
           <a:xfrm>
-            <a:off x="409380" y="5715001"/>
+            <a:off x="4014956" y="5715001"/>
             <a:ext cx="8343868" cy="959035"/>
           </a:xfrm>
           <a:prstGeom prst="rect">
@@ -3132,13 +3148,7 @@
               <a:rPr lang="en-US" sz="5400" dirty="0" smtClean="0">
                 <a:latin typeface="Cambria" pitchFamily="18" charset="0"/>
               </a:rPr>
-              <a:t>Neuroinformatics </a:t>
-            </a:r>
-            <a:r>
-              <a:rPr lang="en-US" sz="5400" dirty="0" smtClean="0">
-                <a:latin typeface="Cambria" pitchFamily="18" charset="0"/>
-              </a:rPr>
-              <a:t>Database</a:t>
+              <a:t>Neuroinformatics Database</a:t>
             </a:r>
             <a:endParaRPr lang="en-US" sz="5400" dirty="0">
               <a:latin typeface="Cambria" pitchFamily="18" charset="0"/>
@@ -3163,7 +3173,7 @@
         </p:blipFill>
         <p:spPr bwMode="auto">
           <a:xfrm>
-            <a:off x="16230600" y="1600200"/>
+            <a:off x="13144500" y="1219200"/>
             <a:ext cx="5372100" cy="5495925"/>
           </a:xfrm>
           <a:prstGeom prst="rect">
@@ -3177,6 +3187,13 @@
   <p:clrMapOvr>
     <a:masterClrMapping/>
   </p:clrMapOvr>
+  <p:timing>
+    <p:tnLst>
+      <p:par>
+        <p:cTn id="1" dur="indefinite" restart="never" nodeType="tmRoot"/>
+      </p:par>
+    </p:tnLst>
+  </p:timing>
 </p:sld>
 </file>
 
@@ -3205,7 +3222,7 @@
         </p:nvSpPr>
         <p:spPr>
           <a:xfrm>
-            <a:off x="0" y="912707"/>
+            <a:off x="1828800" y="912707"/>
             <a:ext cx="11034668" cy="6252792"/>
           </a:xfrm>
           <a:prstGeom prst="rect">
@@ -3251,7 +3268,7 @@
         </p:nvSpPr>
         <p:spPr>
           <a:xfrm>
-            <a:off x="409380" y="5715001"/>
+            <a:off x="2099239" y="5715001"/>
             <a:ext cx="11007161" cy="959035"/>
           </a:xfrm>
           <a:prstGeom prst="rect">
@@ -3300,7 +3317,7 @@
         </p:blipFill>
         <p:spPr bwMode="auto">
           <a:xfrm>
-            <a:off x="16105568" y="1524000"/>
+            <a:off x="14048168" y="1524000"/>
             <a:ext cx="4412464" cy="4412466"/>
           </a:xfrm>
           <a:prstGeom prst="rect">
@@ -3326,7 +3343,7 @@
         </p:nvSpPr>
         <p:spPr>
           <a:xfrm>
-            <a:off x="15621000" y="5824712"/>
+            <a:off x="13563600" y="5824712"/>
             <a:ext cx="5381601" cy="769441"/>
           </a:xfrm>
           <a:prstGeom prst="rect">
